--- a/Documentation/H1N1.pptx
+++ b/Documentation/H1N1.pptx
@@ -5,7 +5,7 @@
     <p:sldMasterId id="2147483756" r:id="rId1"/>
   </p:sldMasterIdLst>
   <p:notesMasterIdLst>
-    <p:notesMasterId r:id="rId16"/>
+    <p:notesMasterId r:id="rId18"/>
   </p:notesMasterIdLst>
   <p:sldIdLst>
     <p:sldId id="256" r:id="rId2"/>
@@ -13,43 +13,45 @@
     <p:sldId id="273" r:id="rId4"/>
     <p:sldId id="274" r:id="rId5"/>
     <p:sldId id="275" r:id="rId6"/>
-    <p:sldId id="266" r:id="rId7"/>
-    <p:sldId id="267" r:id="rId8"/>
-    <p:sldId id="268" r:id="rId9"/>
-    <p:sldId id="269" r:id="rId10"/>
-    <p:sldId id="270" r:id="rId11"/>
-    <p:sldId id="271" r:id="rId12"/>
-    <p:sldId id="276" r:id="rId13"/>
-    <p:sldId id="277" r:id="rId14"/>
-    <p:sldId id="278" r:id="rId15"/>
+    <p:sldId id="280" r:id="rId7"/>
+    <p:sldId id="266" r:id="rId8"/>
+    <p:sldId id="267" r:id="rId9"/>
+    <p:sldId id="268" r:id="rId10"/>
+    <p:sldId id="269" r:id="rId11"/>
+    <p:sldId id="270" r:id="rId12"/>
+    <p:sldId id="271" r:id="rId13"/>
+    <p:sldId id="279" r:id="rId14"/>
+    <p:sldId id="276" r:id="rId15"/>
+    <p:sldId id="277" r:id="rId16"/>
+    <p:sldId id="278" r:id="rId17"/>
   </p:sldIdLst>
   <p:sldSz cx="9144000" cy="5143500" type="screen16x9"/>
   <p:notesSz cx="6858000" cy="9144000"/>
   <p:embeddedFontLst>
     <p:embeddedFont>
-      <p:font typeface="Cambria Math" panose="02040503050406030204" pitchFamily="18" charset="0"/>
-      <p:regular r:id="rId17"/>
-    </p:embeddedFont>
-    <p:embeddedFont>
       <p:font typeface="Century Gothic" panose="020B0502020202020204" pitchFamily="34" charset="0"/>
-      <p:regular r:id="rId18"/>
-      <p:bold r:id="rId19"/>
-      <p:italic r:id="rId20"/>
-      <p:boldItalic r:id="rId21"/>
+      <p:regular r:id="rId19"/>
+      <p:bold r:id="rId20"/>
+      <p:italic r:id="rId21"/>
+      <p:boldItalic r:id="rId22"/>
     </p:embeddedFont>
     <p:embeddedFont>
       <p:font typeface="Proxima Nova" panose="020B0604020202020204" charset="0"/>
-      <p:regular r:id="rId22"/>
-      <p:bold r:id="rId23"/>
-      <p:italic r:id="rId24"/>
-      <p:boldItalic r:id="rId25"/>
+      <p:regular r:id="rId23"/>
+      <p:bold r:id="rId24"/>
+      <p:italic r:id="rId25"/>
+      <p:boldItalic r:id="rId26"/>
+    </p:embeddedFont>
+    <p:embeddedFont>
+      <p:font typeface="Cambria Math" panose="02040503050406030204" pitchFamily="18" charset="0"/>
+      <p:regular r:id="rId27"/>
     </p:embeddedFont>
     <p:embeddedFont>
       <p:font typeface="Roboto Mono" panose="020B0604020202020204" charset="0"/>
-      <p:regular r:id="rId26"/>
-      <p:bold r:id="rId27"/>
-      <p:italic r:id="rId28"/>
-      <p:boldItalic r:id="rId29"/>
+      <p:regular r:id="rId28"/>
+      <p:bold r:id="rId29"/>
+      <p:italic r:id="rId30"/>
+      <p:boldItalic r:id="rId31"/>
     </p:embeddedFont>
   </p:embeddedFontLst>
   <p:defaultTextStyle>
@@ -297,7 +299,7 @@
       </p15:sldGuideLst>
     </p:ext>
     <p:ext uri="http://customooxmlschemas.google.com/">
-      <go:slidesCustomData xmlns="" xmlns:mc="http://schemas.openxmlformats.org/markup-compatibility/2006" xmlns:mv="urn:schemas-microsoft-com:mac:vml" xmlns:c="http://schemas.openxmlformats.org/drawingml/2006/chart" xmlns:dgm="http://schemas.openxmlformats.org/drawingml/2006/diagram" xmlns:o="urn:schemas-microsoft-com:office:office" xmlns:v="urn:schemas-microsoft-com:vml" xmlns:pvml="urn:schemas-microsoft-com:office:powerpoint" xmlns:com="http://schemas.openxmlformats.org/drawingml/2006/compatibility" xmlns:p14="http://schemas.microsoft.com/office/powerpoint/2010/main" xmlns:p15="http://schemas.microsoft.com/office/powerpoint/2012/main" xmlns:ahyp="http://schemas.microsoft.com/office/drawing/2018/hyperlinkcolor" xmlns:go="http://customooxmlschemas.google.com/" r:id="rId30" roundtripDataSignature="AMtx7mhpmAMeJWmViFFE6UELxbPoOvOqAg=="/>
+      <go:slidesCustomData xmlns:go="http://customooxmlschemas.google.com/" xmlns:ahyp="http://schemas.microsoft.com/office/drawing/2018/hyperlinkcolor" xmlns:p15="http://schemas.microsoft.com/office/powerpoint/2012/main" xmlns:p14="http://schemas.microsoft.com/office/powerpoint/2010/main" xmlns:com="http://schemas.openxmlformats.org/drawingml/2006/compatibility" xmlns:pvml="urn:schemas-microsoft-com:office:powerpoint" xmlns:v="urn:schemas-microsoft-com:vml" xmlns:o="urn:schemas-microsoft-com:office:office" xmlns:dgm="http://schemas.openxmlformats.org/drawingml/2006/diagram" xmlns:c="http://schemas.openxmlformats.org/drawingml/2006/chart" xmlns:mv="urn:schemas-microsoft-com:mac:vml" xmlns:mc="http://schemas.openxmlformats.org/markup-compatibility/2006" xmlns="" r:id="rId32" roundtripDataSignature="AMtx7mhpmAMeJWmViFFE6UELxbPoOvOqAg=="/>
     </p:ext>
   </p:extLst>
 </p:presentation>
@@ -1190,6 +1192,72 @@
     <p:extLst>
       <p:ext uri="{BB962C8B-B14F-4D97-AF65-F5344CB8AC3E}">
         <p14:creationId xmlns:p14="http://schemas.microsoft.com/office/powerpoint/2010/main" val="2092853647"/>
+      </p:ext>
+    </p:extLst>
+  </p:cSld>
+  <p:clrMapOvr>
+    <a:masterClrMapping/>
+  </p:clrMapOvr>
+</p:notes>
+</file>
+
+<file path=ppt/notesSlides/notesSlide5.xml><?xml version="1.0" encoding="utf-8"?>
+<p:notes xmlns:a="http://schemas.openxmlformats.org/drawingml/2006/main" xmlns:r="http://schemas.openxmlformats.org/officeDocument/2006/relationships" xmlns:p="http://schemas.openxmlformats.org/presentationml/2006/main">
+  <p:cSld>
+    <p:spTree>
+      <p:nvGrpSpPr>
+        <p:cNvPr id="1" name=""/>
+        <p:cNvGrpSpPr/>
+        <p:nvPr/>
+      </p:nvGrpSpPr>
+      <p:grpSpPr>
+        <a:xfrm>
+          <a:off x="0" y="0"/>
+          <a:ext cx="0" cy="0"/>
+          <a:chOff x="0" y="0"/>
+          <a:chExt cx="0" cy="0"/>
+        </a:xfrm>
+      </p:grpSpPr>
+      <p:sp>
+        <p:nvSpPr>
+          <p:cNvPr id="2" name="Slide Image Placeholder 1"/>
+          <p:cNvSpPr>
+            <a:spLocks noGrp="1" noRot="1" noChangeAspect="1"/>
+          </p:cNvSpPr>
+          <p:nvPr>
+            <p:ph type="sldImg"/>
+          </p:nvPr>
+        </p:nvSpPr>
+        <p:spPr>
+          <a:xfrm>
+            <a:off x="381000" y="685800"/>
+            <a:ext cx="6096000" cy="3429000"/>
+          </a:xfrm>
+        </p:spPr>
+      </p:sp>
+      <p:sp>
+        <p:nvSpPr>
+          <p:cNvPr id="3" name="Notes Placeholder 2"/>
+          <p:cNvSpPr>
+            <a:spLocks noGrp="1"/>
+          </p:cNvSpPr>
+          <p:nvPr>
+            <p:ph type="body" idx="1"/>
+          </p:nvPr>
+        </p:nvSpPr>
+        <p:spPr/>
+        <p:txBody>
+          <a:bodyPr/>
+          <a:lstStyle/>
+          <a:p>
+            <a:endParaRPr lang="en-IN" dirty="0"/>
+          </a:p>
+        </p:txBody>
+      </p:sp>
+    </p:spTree>
+    <p:extLst>
+      <p:ext uri="{BB962C8B-B14F-4D97-AF65-F5344CB8AC3E}">
+        <p14:creationId xmlns:p14="http://schemas.microsoft.com/office/powerpoint/2010/main" val="1269834445"/>
       </p:ext>
     </p:extLst>
   </p:cSld>
@@ -8721,6 +8789,267 @@
           <p:cNvPr id="2" name="Title 1">
             <a:extLst>
               <a:ext uri="{FF2B5EF4-FFF2-40B4-BE49-F238E27FC236}">
+                <a16:creationId xmlns:a16="http://schemas.microsoft.com/office/drawing/2014/main" id="{00C737D3-75CB-0061-35BD-6AD9FE43E0EB}"/>
+              </a:ext>
+            </a:extLst>
+          </p:cNvPr>
+          <p:cNvSpPr>
+            <a:spLocks noGrp="1"/>
+          </p:cNvSpPr>
+          <p:nvPr>
+            <p:ph type="title"/>
+          </p:nvPr>
+        </p:nvSpPr>
+        <p:spPr/>
+        <p:txBody>
+          <a:bodyPr>
+            <a:normAutofit/>
+          </a:bodyPr>
+          <a:lstStyle/>
+          <a:p>
+            <a:r>
+              <a:rPr lang="en-US" b="1" dirty="0">
+                <a:effectLst>
+                  <a:glow rad="38100">
+                    <a:schemeClr val="bg1">
+                      <a:lumMod val="65000"/>
+                      <a:lumOff val="35000"/>
+                      <a:alpha val="40000"/>
+                    </a:schemeClr>
+                  </a:glow>
+                </a:effectLst>
+                <a:latin typeface="Roboto Mono" panose="020B0604020202020204" charset="0"/>
+                <a:ea typeface="Roboto Mono" panose="020B0604020202020204" charset="0"/>
+              </a:rPr>
+              <a:t>Downloading repository</a:t>
+            </a:r>
+            <a:endParaRPr lang="en-IN" b="1" dirty="0">
+              <a:effectLst>
+                <a:glow rad="38100">
+                  <a:schemeClr val="bg1">
+                    <a:lumMod val="65000"/>
+                    <a:lumOff val="35000"/>
+                    <a:alpha val="40000"/>
+                  </a:schemeClr>
+                </a:glow>
+              </a:effectLst>
+              <a:latin typeface="Roboto Mono" panose="020B0604020202020204" charset="0"/>
+              <a:ea typeface="Roboto Mono" panose="020B0604020202020204" charset="0"/>
+            </a:endParaRPr>
+          </a:p>
+        </p:txBody>
+      </p:sp>
+      <p:sp>
+        <p:nvSpPr>
+          <p:cNvPr id="3" name="Text Placeholder 2">
+            <a:extLst>
+              <a:ext uri="{FF2B5EF4-FFF2-40B4-BE49-F238E27FC236}">
+                <a16:creationId xmlns:a16="http://schemas.microsoft.com/office/drawing/2014/main" id="{CC995AF7-360F-E616-98A4-63DB214ABC64}"/>
+              </a:ext>
+            </a:extLst>
+          </p:cNvPr>
+          <p:cNvSpPr>
+            <a:spLocks noGrp="1"/>
+          </p:cNvSpPr>
+          <p:nvPr>
+            <p:ph type="body" idx="1"/>
+          </p:nvPr>
+        </p:nvSpPr>
+        <p:spPr/>
+        <p:txBody>
+          <a:bodyPr>
+            <a:normAutofit/>
+          </a:bodyPr>
+          <a:lstStyle/>
+          <a:p>
+            <a:r>
+              <a:rPr lang="en-US" sz="1700" dirty="0">
+                <a:solidFill>
+                  <a:schemeClr val="tx1"/>
+                </a:solidFill>
+                <a:effectLst>
+                  <a:glow rad="38100">
+                    <a:schemeClr val="bg1">
+                      <a:lumMod val="50000"/>
+                      <a:lumOff val="50000"/>
+                      <a:alpha val="20000"/>
+                    </a:schemeClr>
+                  </a:glow>
+                </a:effectLst>
+                <a:latin typeface="Roboto Mono" panose="020B0604020202020204" charset="0"/>
+                <a:ea typeface="Roboto Mono" panose="020B0604020202020204" charset="0"/>
+              </a:rPr>
+              <a:t>In repo_download folder, it is made sure that files are deleted before downloading new repository.</a:t>
+            </a:r>
+            <a:br>
+              <a:rPr lang="en-US" sz="1700" dirty="0">
+                <a:solidFill>
+                  <a:schemeClr val="tx1"/>
+                </a:solidFill>
+                <a:effectLst>
+                  <a:glow rad="38100">
+                    <a:schemeClr val="bg1">
+                      <a:lumMod val="50000"/>
+                      <a:lumOff val="50000"/>
+                      <a:alpha val="20000"/>
+                    </a:schemeClr>
+                  </a:glow>
+                </a:effectLst>
+                <a:latin typeface="Roboto Mono" panose="020B0604020202020204" charset="0"/>
+                <a:ea typeface="Roboto Mono" panose="020B0604020202020204" charset="0"/>
+              </a:rPr>
+            </a:br>
+            <a:endParaRPr lang="en-US" sz="1700" dirty="0">
+              <a:solidFill>
+                <a:schemeClr val="tx1"/>
+              </a:solidFill>
+              <a:effectLst>
+                <a:glow rad="38100">
+                  <a:schemeClr val="bg1">
+                    <a:lumMod val="50000"/>
+                    <a:lumOff val="50000"/>
+                    <a:alpha val="20000"/>
+                  </a:schemeClr>
+                </a:glow>
+              </a:effectLst>
+              <a:latin typeface="Roboto Mono" panose="020B0604020202020204" charset="0"/>
+              <a:ea typeface="Roboto Mono" panose="020B0604020202020204" charset="0"/>
+            </a:endParaRPr>
+          </a:p>
+          <a:p>
+            <a:r>
+              <a:rPr lang="en-US" sz="1700" dirty="0">
+                <a:solidFill>
+                  <a:schemeClr val="tx1"/>
+                </a:solidFill>
+                <a:effectLst>
+                  <a:glow rad="38100">
+                    <a:schemeClr val="bg1">
+                      <a:lumMod val="50000"/>
+                      <a:lumOff val="50000"/>
+                      <a:alpha val="20000"/>
+                    </a:schemeClr>
+                  </a:glow>
+                </a:effectLst>
+                <a:latin typeface="Roboto Mono" panose="020B0604020202020204" charset="0"/>
+                <a:ea typeface="Roboto Mono" panose="020B0604020202020204" charset="0"/>
+              </a:rPr>
+              <a:t>Using git clone function, repository files are cloned into repo_download.</a:t>
+            </a:r>
+            <a:br>
+              <a:rPr lang="en-US" sz="1700" dirty="0">
+                <a:solidFill>
+                  <a:schemeClr val="tx1"/>
+                </a:solidFill>
+                <a:effectLst>
+                  <a:glow rad="38100">
+                    <a:schemeClr val="bg1">
+                      <a:lumMod val="50000"/>
+                      <a:lumOff val="50000"/>
+                      <a:alpha val="20000"/>
+                    </a:schemeClr>
+                  </a:glow>
+                </a:effectLst>
+                <a:latin typeface="Roboto Mono" panose="020B0604020202020204" charset="0"/>
+                <a:ea typeface="Roboto Mono" panose="020B0604020202020204" charset="0"/>
+              </a:rPr>
+            </a:br>
+            <a:endParaRPr lang="en-US" sz="1700" dirty="0">
+              <a:solidFill>
+                <a:schemeClr val="tx1"/>
+              </a:solidFill>
+              <a:effectLst>
+                <a:glow rad="38100">
+                  <a:schemeClr val="bg1">
+                    <a:lumMod val="50000"/>
+                    <a:lumOff val="50000"/>
+                    <a:alpha val="20000"/>
+                  </a:schemeClr>
+                </a:glow>
+              </a:effectLst>
+              <a:latin typeface="Roboto Mono" panose="020B0604020202020204" charset="0"/>
+              <a:ea typeface="Roboto Mono" panose="020B0604020202020204" charset="0"/>
+            </a:endParaRPr>
+          </a:p>
+          <a:p>
+            <a:r>
+              <a:rPr lang="en-US" sz="1700" dirty="0">
+                <a:solidFill>
+                  <a:schemeClr val="tx1"/>
+                </a:solidFill>
+                <a:effectLst>
+                  <a:glow rad="38100">
+                    <a:schemeClr val="bg1">
+                      <a:lumMod val="50000"/>
+                      <a:lumOff val="50000"/>
+                      <a:alpha val="20000"/>
+                    </a:schemeClr>
+                  </a:glow>
+                </a:effectLst>
+                <a:latin typeface="Roboto Mono" panose="020B0604020202020204" charset="0"/>
+                <a:ea typeface="Roboto Mono" panose="020B0604020202020204" charset="0"/>
+              </a:rPr>
+              <a:t>In case of pypi and npm, only command line functions are available to clone repositories. So we suggest in this case please make sure that the repositories and cloned manually into repo_download folder.</a:t>
+            </a:r>
+          </a:p>
+          <a:p>
+            <a:pPr marL="114300" indent="0">
+              <a:buNone/>
+            </a:pPr>
+            <a:endParaRPr lang="en-IN" sz="1700" dirty="0">
+              <a:solidFill>
+                <a:schemeClr val="tx1"/>
+              </a:solidFill>
+              <a:effectLst>
+                <a:glow rad="38100">
+                  <a:schemeClr val="bg1">
+                    <a:lumMod val="50000"/>
+                    <a:lumOff val="50000"/>
+                    <a:alpha val="20000"/>
+                  </a:schemeClr>
+                </a:glow>
+              </a:effectLst>
+              <a:latin typeface="Roboto Mono" panose="020B0604020202020204" charset="0"/>
+              <a:ea typeface="Roboto Mono" panose="020B0604020202020204" charset="0"/>
+            </a:endParaRPr>
+          </a:p>
+        </p:txBody>
+      </p:sp>
+    </p:spTree>
+    <p:extLst>
+      <p:ext uri="{BB962C8B-B14F-4D97-AF65-F5344CB8AC3E}">
+        <p14:creationId xmlns:p14="http://schemas.microsoft.com/office/powerpoint/2010/main" val="2203371096"/>
+      </p:ext>
+    </p:extLst>
+  </p:cSld>
+  <p:clrMapOvr>
+    <a:masterClrMapping/>
+  </p:clrMapOvr>
+</p:sld>
+</file>
+
+<file path=ppt/slides/slide11.xml><?xml version="1.0" encoding="utf-8"?>
+<p:sld xmlns:a="http://schemas.openxmlformats.org/drawingml/2006/main" xmlns:r="http://schemas.openxmlformats.org/officeDocument/2006/relationships" xmlns:p="http://schemas.openxmlformats.org/presentationml/2006/main">
+  <p:cSld>
+    <p:spTree>
+      <p:nvGrpSpPr>
+        <p:cNvPr id="1" name=""/>
+        <p:cNvGrpSpPr/>
+        <p:nvPr/>
+      </p:nvGrpSpPr>
+      <p:grpSpPr>
+        <a:xfrm>
+          <a:off x="0" y="0"/>
+          <a:ext cx="0" cy="0"/>
+          <a:chOff x="0" y="0"/>
+          <a:chExt cx="0" cy="0"/>
+        </a:xfrm>
+      </p:grpSpPr>
+      <p:sp>
+        <p:nvSpPr>
+          <p:cNvPr id="2" name="Title 1">
+            <a:extLst>
+              <a:ext uri="{FF2B5EF4-FFF2-40B4-BE49-F238E27FC236}">
                 <a16:creationId xmlns:a16="http://schemas.microsoft.com/office/drawing/2014/main" id="{BE8E2B9D-451B-A968-25AC-813433E3FFF8}"/>
               </a:ext>
             </a:extLst>
@@ -9064,7 +9393,7 @@
 </p:sld>
 </file>
 
-<file path=ppt/slides/slide11.xml><?xml version="1.0" encoding="utf-8"?>
+<file path=ppt/slides/slide12.xml><?xml version="1.0" encoding="utf-8"?>
 <p:sld xmlns:a="http://schemas.openxmlformats.org/drawingml/2006/main" xmlns:r="http://schemas.openxmlformats.org/officeDocument/2006/relationships" xmlns:p="http://schemas.openxmlformats.org/presentationml/2006/main">
   <p:cSld>
     <p:spTree>
@@ -9343,7 +9672,7 @@
                 <a:hlinkClick r:id="rId3">
                   <a:extLst>
                     <a:ext uri="{A12FA001-AC4F-418D-AE19-62706E023703}">
-                      <ahyp:hlinkClr xmlns:ahyp="http://schemas.microsoft.com/office/drawing/2018/hyperlinkcolor" val="tx"/>
+                      <ahyp:hlinkClr xmlns:ahyp="http://schemas.microsoft.com/office/drawing/2018/hyperlinkcolor" xmlns="" val="tx"/>
                     </a:ext>
                   </a:extLst>
                 </a:hlinkClick>
@@ -9427,7 +9756,433 @@
 </p:sld>
 </file>
 
-<file path=ppt/slides/slide12.xml><?xml version="1.0" encoding="utf-8"?>
+<file path=ppt/slides/slide13.xml><?xml version="1.0" encoding="utf-8"?>
+<p:sld xmlns:a="http://schemas.openxmlformats.org/drawingml/2006/main" xmlns:r="http://schemas.openxmlformats.org/officeDocument/2006/relationships" xmlns:p="http://schemas.openxmlformats.org/presentationml/2006/main">
+  <p:cSld>
+    <p:spTree>
+      <p:nvGrpSpPr>
+        <p:cNvPr id="1" name=""/>
+        <p:cNvGrpSpPr/>
+        <p:nvPr/>
+      </p:nvGrpSpPr>
+      <p:grpSpPr>
+        <a:xfrm>
+          <a:off x="0" y="0"/>
+          <a:ext cx="0" cy="0"/>
+          <a:chOff x="0" y="0"/>
+          <a:chExt cx="0" cy="0"/>
+        </a:xfrm>
+      </p:grpSpPr>
+      <p:sp>
+        <p:nvSpPr>
+          <p:cNvPr id="2" name="Title 1">
+            <a:extLst>
+              <a:ext uri="{FF2B5EF4-FFF2-40B4-BE49-F238E27FC236}">
+                <a16:creationId xmlns:a16="http://schemas.microsoft.com/office/drawing/2014/main" id="{1669B901-3ACD-9AAB-BE6E-3CB69AE1DA55}"/>
+              </a:ext>
+            </a:extLst>
+          </p:cNvPr>
+          <p:cNvSpPr>
+            <a:spLocks noGrp="1"/>
+          </p:cNvSpPr>
+          <p:nvPr>
+            <p:ph type="title"/>
+          </p:nvPr>
+        </p:nvSpPr>
+        <p:spPr/>
+        <p:txBody>
+          <a:bodyPr>
+            <a:normAutofit/>
+          </a:bodyPr>
+          <a:lstStyle/>
+          <a:p>
+            <a:r>
+              <a:rPr lang="en-US" b="1" dirty="0">
+                <a:effectLst>
+                  <a:glow rad="38100">
+                    <a:schemeClr val="bg1">
+                      <a:lumMod val="65000"/>
+                      <a:lumOff val="35000"/>
+                      <a:alpha val="40000"/>
+                    </a:schemeClr>
+                  </a:glow>
+                </a:effectLst>
+                <a:latin typeface="Roboto Mono" panose="020B0604020202020204" charset="0"/>
+                <a:ea typeface="Roboto Mono" panose="020B0604020202020204" charset="0"/>
+              </a:rPr>
+              <a:t>Machine learning/Deep learning</a:t>
+            </a:r>
+            <a:endParaRPr lang="en-IN" b="1" dirty="0">
+              <a:effectLst>
+                <a:glow rad="38100">
+                  <a:schemeClr val="bg1">
+                    <a:lumMod val="65000"/>
+                    <a:lumOff val="35000"/>
+                    <a:alpha val="40000"/>
+                  </a:schemeClr>
+                </a:glow>
+              </a:effectLst>
+              <a:latin typeface="Roboto Mono" panose="020B0604020202020204" charset="0"/>
+              <a:ea typeface="Roboto Mono" panose="020B0604020202020204" charset="0"/>
+            </a:endParaRPr>
+          </a:p>
+        </p:txBody>
+      </p:sp>
+      <p:sp>
+        <p:nvSpPr>
+          <p:cNvPr id="3" name="Text Placeholder 2">
+            <a:extLst>
+              <a:ext uri="{FF2B5EF4-FFF2-40B4-BE49-F238E27FC236}">
+                <a16:creationId xmlns:a16="http://schemas.microsoft.com/office/drawing/2014/main" id="{EA258BC6-2328-AD0B-57ED-921F7C02C4C3}"/>
+              </a:ext>
+            </a:extLst>
+          </p:cNvPr>
+          <p:cNvSpPr>
+            <a:spLocks noGrp="1"/>
+          </p:cNvSpPr>
+          <p:nvPr>
+            <p:ph type="body" idx="1"/>
+          </p:nvPr>
+        </p:nvSpPr>
+        <p:spPr/>
+        <p:txBody>
+          <a:bodyPr>
+            <a:noAutofit/>
+          </a:bodyPr>
+          <a:lstStyle/>
+          <a:p>
+            <a:r>
+              <a:rPr lang="en-US" dirty="0" smtClean="0">
+                <a:effectLst>
+                  <a:glow rad="38100">
+                    <a:schemeClr val="bg1">
+                      <a:lumMod val="50000"/>
+                      <a:lumOff val="50000"/>
+                      <a:alpha val="20000"/>
+                    </a:schemeClr>
+                  </a:glow>
+                </a:effectLst>
+                <a:latin typeface="Roboto Mono" panose="020B0604020202020204" charset="0"/>
+                <a:ea typeface="Roboto Mono" panose="020B0604020202020204" charset="0"/>
+              </a:rPr>
+              <a:t>A dataset of images as benign and malicious is available on </a:t>
+            </a:r>
+            <a:r>
+              <a:rPr lang="en-US" dirty="0" err="1" smtClean="0">
+                <a:effectLst>
+                  <a:glow rad="38100">
+                    <a:schemeClr val="bg1">
+                      <a:lumMod val="50000"/>
+                      <a:lumOff val="50000"/>
+                      <a:alpha val="20000"/>
+                    </a:schemeClr>
+                  </a:glow>
+                </a:effectLst>
+                <a:latin typeface="Roboto Mono" panose="020B0604020202020204" charset="0"/>
+                <a:ea typeface="Roboto Mono" panose="020B0604020202020204" charset="0"/>
+              </a:rPr>
+              <a:t>kaggle</a:t>
+            </a:r>
+            <a:r>
+              <a:rPr lang="en-US" dirty="0">
+                <a:effectLst>
+                  <a:glow rad="38100">
+                    <a:schemeClr val="bg1">
+                      <a:lumMod val="50000"/>
+                      <a:lumOff val="50000"/>
+                      <a:alpha val="20000"/>
+                    </a:schemeClr>
+                  </a:glow>
+                </a:effectLst>
+                <a:latin typeface="Roboto Mono" panose="020B0604020202020204" charset="0"/>
+                <a:ea typeface="Roboto Mono" panose="020B0604020202020204" charset="0"/>
+              </a:rPr>
+              <a:t>. </a:t>
+            </a:r>
+            <a:r>
+              <a:rPr lang="en-US" dirty="0">
+                <a:effectLst>
+                  <a:glow rad="38100">
+                    <a:schemeClr val="bg1">
+                      <a:lumMod val="50000"/>
+                      <a:lumOff val="50000"/>
+                      <a:alpha val="20000"/>
+                    </a:schemeClr>
+                  </a:glow>
+                </a:effectLst>
+                <a:latin typeface="Roboto Mono" panose="020B0604020202020204" charset="0"/>
+                <a:ea typeface="Roboto Mono" panose="020B0604020202020204" charset="0"/>
+                <a:hlinkClick r:id="rId3"/>
+              </a:rPr>
+              <a:t>https://</a:t>
+            </a:r>
+            <a:r>
+              <a:rPr lang="en-US" dirty="0" smtClean="0">
+                <a:effectLst>
+                  <a:glow rad="38100">
+                    <a:schemeClr val="bg1">
+                      <a:lumMod val="50000"/>
+                      <a:lumOff val="50000"/>
+                      <a:alpha val="20000"/>
+                    </a:schemeClr>
+                  </a:glow>
+                </a:effectLst>
+                <a:latin typeface="Roboto Mono" panose="020B0604020202020204" charset="0"/>
+                <a:ea typeface="Roboto Mono" panose="020B0604020202020204" charset="0"/>
+                <a:hlinkClick r:id="rId3"/>
+              </a:rPr>
+              <a:t>www.kaggle.com/datasets/matthewfields/malware-as-images</a:t>
+            </a:r>
+            <a:r>
+              <a:rPr lang="en-US" dirty="0" smtClean="0">
+                <a:effectLst>
+                  <a:glow rad="38100">
+                    <a:schemeClr val="bg1">
+                      <a:lumMod val="50000"/>
+                      <a:lumOff val="50000"/>
+                      <a:alpha val="20000"/>
+                    </a:schemeClr>
+                  </a:glow>
+                </a:effectLst>
+                <a:latin typeface="Roboto Mono" panose="020B0604020202020204" charset="0"/>
+                <a:ea typeface="Roboto Mono" panose="020B0604020202020204" charset="0"/>
+              </a:rPr>
+              <a:t> </a:t>
+            </a:r>
+          </a:p>
+          <a:p>
+            <a:r>
+              <a:rPr lang="en-US" dirty="0" smtClean="0">
+                <a:solidFill>
+                  <a:schemeClr val="tx1"/>
+                </a:solidFill>
+                <a:effectLst>
+                  <a:glow rad="38100">
+                    <a:schemeClr val="bg1">
+                      <a:lumMod val="50000"/>
+                      <a:lumOff val="50000"/>
+                      <a:alpha val="20000"/>
+                    </a:schemeClr>
+                  </a:glow>
+                </a:effectLst>
+                <a:latin typeface="Roboto Mono" panose="020B0604020202020204" charset="0"/>
+                <a:ea typeface="Roboto Mono" panose="020B0604020202020204" charset="0"/>
+              </a:rPr>
+              <a:t>It consists of </a:t>
+            </a:r>
+            <a:r>
+              <a:rPr lang="en-US" dirty="0" err="1" smtClean="0">
+                <a:solidFill>
+                  <a:schemeClr val="tx1"/>
+                </a:solidFill>
+                <a:effectLst>
+                  <a:glow rad="38100">
+                    <a:schemeClr val="bg1">
+                      <a:lumMod val="50000"/>
+                      <a:lumOff val="50000"/>
+                      <a:alpha val="20000"/>
+                    </a:schemeClr>
+                  </a:glow>
+                </a:effectLst>
+                <a:latin typeface="Roboto Mono" panose="020B0604020202020204" charset="0"/>
+                <a:ea typeface="Roboto Mono" panose="020B0604020202020204" charset="0"/>
+              </a:rPr>
+              <a:t>lanczos</a:t>
+            </a:r>
+            <a:r>
+              <a:rPr lang="en-US" dirty="0" smtClean="0">
+                <a:solidFill>
+                  <a:schemeClr val="tx1"/>
+                </a:solidFill>
+                <a:effectLst>
+                  <a:glow rad="38100">
+                    <a:schemeClr val="bg1">
+                      <a:lumMod val="50000"/>
+                      <a:lumOff val="50000"/>
+                      <a:alpha val="20000"/>
+                    </a:schemeClr>
+                  </a:glow>
+                </a:effectLst>
+                <a:latin typeface="Roboto Mono" panose="020B0604020202020204" charset="0"/>
+                <a:ea typeface="Roboto Mono" panose="020B0604020202020204" charset="0"/>
+              </a:rPr>
+              <a:t> and nearest images in 120, 300, 600 and 1200 dpi in both benign and malicious images.</a:t>
+            </a:r>
+          </a:p>
+          <a:p>
+            <a:r>
+              <a:rPr lang="en-US" dirty="0" smtClean="0">
+                <a:effectLst>
+                  <a:glow rad="38100">
+                    <a:schemeClr val="bg1">
+                      <a:lumMod val="50000"/>
+                      <a:lumOff val="50000"/>
+                      <a:alpha val="20000"/>
+                    </a:schemeClr>
+                  </a:glow>
+                </a:effectLst>
+                <a:latin typeface="Roboto Mono" panose="020B0604020202020204" charset="0"/>
+                <a:ea typeface="Roboto Mono" panose="020B0604020202020204" charset="0"/>
+              </a:rPr>
+              <a:t>We took 120 and 300 dpi images of </a:t>
+            </a:r>
+            <a:r>
+              <a:rPr lang="en-US" dirty="0" err="1" smtClean="0">
+                <a:effectLst>
+                  <a:glow rad="38100">
+                    <a:schemeClr val="bg1">
+                      <a:lumMod val="50000"/>
+                      <a:lumOff val="50000"/>
+                      <a:alpha val="20000"/>
+                    </a:schemeClr>
+                  </a:glow>
+                </a:effectLst>
+                <a:latin typeface="Roboto Mono" panose="020B0604020202020204" charset="0"/>
+                <a:ea typeface="Roboto Mono" panose="020B0604020202020204" charset="0"/>
+              </a:rPr>
+              <a:t>lanczos</a:t>
+            </a:r>
+            <a:r>
+              <a:rPr lang="en-US" dirty="0" smtClean="0">
+                <a:effectLst>
+                  <a:glow rad="38100">
+                    <a:schemeClr val="bg1">
+                      <a:lumMod val="50000"/>
+                      <a:lumOff val="50000"/>
+                      <a:alpha val="20000"/>
+                    </a:schemeClr>
+                  </a:glow>
+                </a:effectLst>
+                <a:latin typeface="Roboto Mono" panose="020B0604020202020204" charset="0"/>
+                <a:ea typeface="Roboto Mono" panose="020B0604020202020204" charset="0"/>
+              </a:rPr>
+              <a:t>. So, our data contained 122 benign and 151 malicious images. </a:t>
+            </a:r>
+            <a:endParaRPr lang="en-US" dirty="0" smtClean="0">
+              <a:solidFill>
+                <a:schemeClr val="tx1"/>
+              </a:solidFill>
+              <a:effectLst>
+                <a:glow rad="38100">
+                  <a:schemeClr val="bg1">
+                    <a:lumMod val="50000"/>
+                    <a:lumOff val="50000"/>
+                    <a:alpha val="20000"/>
+                  </a:schemeClr>
+                </a:glow>
+              </a:effectLst>
+              <a:latin typeface="Roboto Mono" panose="020B0604020202020204" charset="0"/>
+              <a:ea typeface="Roboto Mono" panose="020B0604020202020204" charset="0"/>
+            </a:endParaRPr>
+          </a:p>
+          <a:p>
+            <a:r>
+              <a:rPr lang="en-US" dirty="0" smtClean="0">
+                <a:effectLst>
+                  <a:glow rad="38100">
+                    <a:schemeClr val="bg1">
+                      <a:lumMod val="50000"/>
+                      <a:lumOff val="50000"/>
+                      <a:alpha val="20000"/>
+                    </a:schemeClr>
+                  </a:glow>
+                </a:effectLst>
+                <a:latin typeface="Roboto Mono" panose="020B0604020202020204" charset="0"/>
+                <a:ea typeface="Roboto Mono" panose="020B0604020202020204" charset="0"/>
+              </a:rPr>
+              <a:t>An approach of deep learning is experimented with. Three deep learning models RESNET_50, VGG_19 and </a:t>
+            </a:r>
+            <a:r>
+              <a:rPr lang="en-US" dirty="0" err="1" smtClean="0">
+                <a:effectLst>
+                  <a:glow rad="38100">
+                    <a:schemeClr val="bg1">
+                      <a:lumMod val="50000"/>
+                      <a:lumOff val="50000"/>
+                      <a:alpha val="20000"/>
+                    </a:schemeClr>
+                  </a:glow>
+                </a:effectLst>
+                <a:latin typeface="Roboto Mono" panose="020B0604020202020204" charset="0"/>
+                <a:ea typeface="Roboto Mono" panose="020B0604020202020204" charset="0"/>
+              </a:rPr>
+              <a:t>Mobile_Net</a:t>
+            </a:r>
+            <a:r>
+              <a:rPr lang="en-US" dirty="0" smtClean="0">
+                <a:effectLst>
+                  <a:glow rad="38100">
+                    <a:schemeClr val="bg1">
+                      <a:lumMod val="50000"/>
+                      <a:lumOff val="50000"/>
+                      <a:alpha val="20000"/>
+                    </a:schemeClr>
+                  </a:glow>
+                </a:effectLst>
+                <a:latin typeface="Roboto Mono" panose="020B0604020202020204" charset="0"/>
+                <a:ea typeface="Roboto Mono" panose="020B0604020202020204" charset="0"/>
+              </a:rPr>
+              <a:t> are tried and an accuracy of 42.03%, 42.03% and 39.13%.</a:t>
+            </a:r>
+          </a:p>
+          <a:p>
+            <a:r>
+              <a:rPr lang="en-US" dirty="0" smtClean="0">
+                <a:solidFill>
+                  <a:schemeClr val="tx1"/>
+                </a:solidFill>
+                <a:effectLst>
+                  <a:glow rad="38100">
+                    <a:schemeClr val="bg1">
+                      <a:lumMod val="50000"/>
+                      <a:lumOff val="50000"/>
+                      <a:alpha val="20000"/>
+                    </a:schemeClr>
+                  </a:glow>
+                </a:effectLst>
+                <a:latin typeface="Roboto Mono" panose="020B0604020202020204" charset="0"/>
+                <a:ea typeface="Roboto Mono" panose="020B0604020202020204" charset="0"/>
+              </a:rPr>
+              <a:t>The accuracies may be very less due to limited number of dataset and in pre-processed format.</a:t>
+            </a:r>
+          </a:p>
+          <a:p>
+            <a:pPr marL="114300" indent="0">
+              <a:buNone/>
+            </a:pPr>
+            <a:endParaRPr lang="en-US" dirty="0">
+              <a:solidFill>
+                <a:schemeClr val="tx1"/>
+              </a:solidFill>
+              <a:effectLst>
+                <a:glow rad="38100">
+                  <a:schemeClr val="bg1">
+                    <a:lumMod val="50000"/>
+                    <a:lumOff val="50000"/>
+                    <a:alpha val="20000"/>
+                  </a:schemeClr>
+                </a:glow>
+              </a:effectLst>
+              <a:latin typeface="Roboto Mono" panose="020B0604020202020204" charset="0"/>
+              <a:ea typeface="Roboto Mono" panose="020B0604020202020204" charset="0"/>
+            </a:endParaRPr>
+          </a:p>
+        </p:txBody>
+      </p:sp>
+    </p:spTree>
+    <p:extLst>
+      <p:ext uri="{BB962C8B-B14F-4D97-AF65-F5344CB8AC3E}">
+        <p14:creationId xmlns:p14="http://schemas.microsoft.com/office/powerpoint/2010/main" val="1483699867"/>
+      </p:ext>
+    </p:extLst>
+  </p:cSld>
+  <p:clrMapOvr>
+    <a:masterClrMapping/>
+  </p:clrMapOvr>
+</p:sld>
+</file>
+
+<file path=ppt/slides/slide14.xml><?xml version="1.0" encoding="utf-8"?>
 <p:sld xmlns:a="http://schemas.openxmlformats.org/drawingml/2006/main" xmlns:r="http://schemas.openxmlformats.org/officeDocument/2006/relationships" xmlns:p="http://schemas.openxmlformats.org/presentationml/2006/main">
   <p:cSld>
     <p:spTree>
@@ -9659,7 +10414,7 @@
 </p:sld>
 </file>
 
-<file path=ppt/slides/slide13.xml><?xml version="1.0" encoding="utf-8"?>
+<file path=ppt/slides/slide15.xml><?xml version="1.0" encoding="utf-8"?>
 <p:sld xmlns:a="http://schemas.openxmlformats.org/drawingml/2006/main" xmlns:r="http://schemas.openxmlformats.org/officeDocument/2006/relationships" xmlns:p="http://schemas.openxmlformats.org/presentationml/2006/main">
   <p:cSld>
     <p:spTree>
@@ -9893,7 +10648,39 @@
                 <a:latin typeface="Roboto Mono" panose="020B0604020202020204" charset="0"/>
                 <a:ea typeface="Roboto Mono" panose="020B0604020202020204" charset="0"/>
               </a:rPr>
-              <a:t>Better dataset and ml/dl models can be used for malware detection of malicious activity in the repository.</a:t>
+              <a:t>Better dataset and ml/dl models can be used for </a:t>
+            </a:r>
+            <a:r>
+              <a:rPr lang="en-US" sz="1600" dirty="0" smtClean="0">
+                <a:effectLst>
+                  <a:glow rad="38100">
+                    <a:schemeClr val="bg1">
+                      <a:lumMod val="50000"/>
+                      <a:lumOff val="50000"/>
+                      <a:alpha val="20000"/>
+                    </a:schemeClr>
+                  </a:glow>
+                </a:effectLst>
+                <a:latin typeface="Roboto Mono" panose="020B0604020202020204" charset="0"/>
+                <a:ea typeface="Roboto Mono" panose="020B0604020202020204" charset="0"/>
+              </a:rPr>
+              <a:t>malware </a:t>
+            </a:r>
+            <a:r>
+              <a:rPr lang="en-US" sz="1600" dirty="0">
+                <a:effectLst>
+                  <a:glow rad="38100">
+                    <a:schemeClr val="bg1">
+                      <a:lumMod val="50000"/>
+                      <a:lumOff val="50000"/>
+                      <a:alpha val="20000"/>
+                    </a:schemeClr>
+                  </a:glow>
+                </a:effectLst>
+                <a:latin typeface="Roboto Mono" panose="020B0604020202020204" charset="0"/>
+                <a:ea typeface="Roboto Mono" panose="020B0604020202020204" charset="0"/>
+              </a:rPr>
+              <a:t>detection of malicious activity in the repository.</a:t>
             </a:r>
           </a:p>
         </p:txBody>
@@ -9911,7 +10698,7 @@
 </p:sld>
 </file>
 
-<file path=ppt/slides/slide14.xml><?xml version="1.0" encoding="utf-8"?>
+<file path=ppt/slides/slide16.xml><?xml version="1.0" encoding="utf-8"?>
 <p:sld xmlns:a="http://schemas.openxmlformats.org/drawingml/2006/main" xmlns:r="http://schemas.openxmlformats.org/officeDocument/2006/relationships" xmlns:p="http://schemas.openxmlformats.org/presentationml/2006/main">
   <p:cSld>
     <p:spTree>
@@ -11302,7 +12089,7 @@
 </file>
 
 <file path=ppt/slides/slide5.xml><?xml version="1.0" encoding="utf-8"?>
-<p:sld xmlns:a="http://schemas.openxmlformats.org/drawingml/2006/main" xmlns:r="http://schemas.openxmlformats.org/officeDocument/2006/relationships" xmlns:p="http://schemas.openxmlformats.org/presentationml/2006/main">
+<p:sld xmlns:a="http://schemas.openxmlformats.org/drawingml/2006/main" xmlns:r="http://schemas.openxmlformats.org/officeDocument/2006/relationships" xmlns:p="http://schemas.openxmlformats.org/presentationml/2006/main" show="0">
   <p:cSld>
     <p:spTree>
       <p:nvGrpSpPr>
@@ -11596,10 +12383,549 @@
   <p:clrMapOvr>
     <a:masterClrMapping/>
   </p:clrMapOvr>
+  <mc:AlternateContent xmlns:mc="http://schemas.openxmlformats.org/markup-compatibility/2006">
+    <mc:Choice xmlns:p14="http://schemas.microsoft.com/office/powerpoint/2010/main" Requires="p14">
+      <p:transition spd="slow" p14:dur="2000"/>
+    </mc:Choice>
+    <mc:Fallback>
+      <p:transition spd="slow"/>
+    </mc:Fallback>
+  </mc:AlternateContent>
+  <p:timing>
+    <p:tnLst>
+      <p:par>
+        <p:cTn id="1" dur="indefinite" restart="never" nodeType="tmRoot"/>
+      </p:par>
+    </p:tnLst>
+  </p:timing>
 </p:sld>
 </file>
 
 <file path=ppt/slides/slide6.xml><?xml version="1.0" encoding="utf-8"?>
+<p:sld xmlns:a="http://schemas.openxmlformats.org/drawingml/2006/main" xmlns:r="http://schemas.openxmlformats.org/officeDocument/2006/relationships" xmlns:p="http://schemas.openxmlformats.org/presentationml/2006/main">
+  <p:cSld>
+    <p:spTree>
+      <p:nvGrpSpPr>
+        <p:cNvPr id="1" name=""/>
+        <p:cNvGrpSpPr/>
+        <p:nvPr/>
+      </p:nvGrpSpPr>
+      <p:grpSpPr>
+        <a:xfrm>
+          <a:off x="0" y="0"/>
+          <a:ext cx="0" cy="0"/>
+          <a:chOff x="0" y="0"/>
+          <a:chExt cx="0" cy="0"/>
+        </a:xfrm>
+      </p:grpSpPr>
+      <p:sp>
+        <p:nvSpPr>
+          <p:cNvPr id="2" name="Title 1">
+            <a:extLst>
+              <a:ext uri="{FF2B5EF4-FFF2-40B4-BE49-F238E27FC236}">
+                <a16:creationId xmlns:a16="http://schemas.microsoft.com/office/drawing/2014/main" id="{D8E340C3-1C9D-260E-3642-2434F2B3FD4E}"/>
+              </a:ext>
+            </a:extLst>
+          </p:cNvPr>
+          <p:cNvSpPr>
+            <a:spLocks noGrp="1"/>
+          </p:cNvSpPr>
+          <p:nvPr>
+            <p:ph type="title"/>
+          </p:nvPr>
+        </p:nvSpPr>
+        <p:spPr>
+          <a:xfrm>
+            <a:off x="311700" y="401802"/>
+            <a:ext cx="8520600" cy="572700"/>
+          </a:xfrm>
+        </p:spPr>
+        <p:txBody>
+          <a:bodyPr>
+            <a:normAutofit/>
+          </a:bodyPr>
+          <a:lstStyle/>
+          <a:p>
+            <a:r>
+              <a:rPr lang="en-IN" b="1" dirty="0">
+                <a:effectLst>
+                  <a:glow rad="38100">
+                    <a:schemeClr val="bg1">
+                      <a:lumMod val="65000"/>
+                      <a:lumOff val="35000"/>
+                      <a:alpha val="40000"/>
+                    </a:schemeClr>
+                  </a:glow>
+                </a:effectLst>
+                <a:latin typeface="Roboto Mono" panose="020B0604020202020204" charset="0"/>
+                <a:ea typeface="Roboto Mono" panose="020B0604020202020204" charset="0"/>
+              </a:rPr>
+              <a:t>Solution statement/ Proposed approach</a:t>
+            </a:r>
+          </a:p>
+        </p:txBody>
+      </p:sp>
+      <p:sp>
+        <p:nvSpPr>
+          <p:cNvPr id="4" name="Rectangle 3"/>
+          <p:cNvSpPr/>
+          <p:nvPr/>
+        </p:nvSpPr>
+        <p:spPr>
+          <a:xfrm>
+            <a:off x="3728484" y="1120542"/>
+            <a:ext cx="1687032" cy="723014"/>
+          </a:xfrm>
+          <a:prstGeom prst="rect">
+            <a:avLst/>
+          </a:prstGeom>
+        </p:spPr>
+        <p:style>
+          <a:lnRef idx="2">
+            <a:schemeClr val="accent5">
+              <a:shade val="50000"/>
+            </a:schemeClr>
+          </a:lnRef>
+          <a:fillRef idx="1">
+            <a:schemeClr val="accent5"/>
+          </a:fillRef>
+          <a:effectRef idx="0">
+            <a:schemeClr val="accent5"/>
+          </a:effectRef>
+          <a:fontRef idx="minor">
+            <a:schemeClr val="lt1"/>
+          </a:fontRef>
+        </p:style>
+        <p:txBody>
+          <a:bodyPr rtlCol="0" anchor="ctr"/>
+          <a:lstStyle/>
+          <a:p>
+            <a:pPr algn="ctr"/>
+            <a:r>
+              <a:rPr lang="en-IN" sz="1800" dirty="0" smtClean="0"/>
+              <a:t>Repository</a:t>
+            </a:r>
+            <a:endParaRPr lang="en-IN" sz="1800" dirty="0"/>
+          </a:p>
+        </p:txBody>
+      </p:sp>
+      <p:sp>
+        <p:nvSpPr>
+          <p:cNvPr id="5" name="Rectangle 4"/>
+          <p:cNvSpPr/>
+          <p:nvPr/>
+        </p:nvSpPr>
+        <p:spPr>
+          <a:xfrm>
+            <a:off x="1637414" y="1680523"/>
+            <a:ext cx="1410586" cy="595423"/>
+          </a:xfrm>
+          <a:prstGeom prst="rect">
+            <a:avLst/>
+          </a:prstGeom>
+        </p:spPr>
+        <p:style>
+          <a:lnRef idx="1">
+            <a:schemeClr val="accent1"/>
+          </a:lnRef>
+          <a:fillRef idx="2">
+            <a:schemeClr val="accent1"/>
+          </a:fillRef>
+          <a:effectRef idx="1">
+            <a:schemeClr val="accent1"/>
+          </a:effectRef>
+          <a:fontRef idx="minor">
+            <a:schemeClr val="dk1"/>
+          </a:fontRef>
+        </p:style>
+        <p:txBody>
+          <a:bodyPr rtlCol="0" anchor="ctr"/>
+          <a:lstStyle/>
+          <a:p>
+            <a:pPr algn="ctr"/>
+            <a:r>
+              <a:rPr lang="en-IN" dirty="0" smtClean="0"/>
+              <a:t>Defining Authenticity</a:t>
+            </a:r>
+            <a:endParaRPr lang="en-IN" dirty="0"/>
+          </a:p>
+        </p:txBody>
+      </p:sp>
+      <p:sp>
+        <p:nvSpPr>
+          <p:cNvPr id="6" name="Rectangle 5"/>
+          <p:cNvSpPr/>
+          <p:nvPr/>
+        </p:nvSpPr>
+        <p:spPr>
+          <a:xfrm>
+            <a:off x="6095999" y="1680523"/>
+            <a:ext cx="1410586" cy="595423"/>
+          </a:xfrm>
+          <a:prstGeom prst="rect">
+            <a:avLst/>
+          </a:prstGeom>
+        </p:spPr>
+        <p:style>
+          <a:lnRef idx="1">
+            <a:schemeClr val="accent1"/>
+          </a:lnRef>
+          <a:fillRef idx="2">
+            <a:schemeClr val="accent1"/>
+          </a:fillRef>
+          <a:effectRef idx="1">
+            <a:schemeClr val="accent1"/>
+          </a:effectRef>
+          <a:fontRef idx="minor">
+            <a:schemeClr val="dk1"/>
+          </a:fontRef>
+        </p:style>
+        <p:txBody>
+          <a:bodyPr rtlCol="0" anchor="ctr"/>
+          <a:lstStyle/>
+          <a:p>
+            <a:pPr algn="ctr"/>
+            <a:r>
+              <a:rPr lang="en-IN" dirty="0" smtClean="0"/>
+              <a:t>Checking code files</a:t>
+            </a:r>
+            <a:endParaRPr lang="en-IN" dirty="0"/>
+          </a:p>
+        </p:txBody>
+      </p:sp>
+      <p:sp>
+        <p:nvSpPr>
+          <p:cNvPr id="7" name="Rounded Rectangle 6"/>
+          <p:cNvSpPr/>
+          <p:nvPr/>
+        </p:nvSpPr>
+        <p:spPr>
+          <a:xfrm>
+            <a:off x="956931" y="2275946"/>
+            <a:ext cx="2771553" cy="2640839"/>
+          </a:xfrm>
+          <a:prstGeom prst="roundRect">
+            <a:avLst/>
+          </a:prstGeom>
+          <a:noFill/>
+          <a:ln w="9525" cap="flat" cmpd="sng" algn="ctr">
+            <a:solidFill>
+              <a:schemeClr val="accent1"/>
+            </a:solidFill>
+            <a:prstDash val="solid"/>
+            <a:round/>
+            <a:headEnd type="none" w="med" len="med"/>
+            <a:tailEnd type="none" w="med" len="med"/>
+          </a:ln>
+        </p:spPr>
+        <p:style>
+          <a:lnRef idx="0">
+            <a:scrgbClr r="0" g="0" b="0"/>
+          </a:lnRef>
+          <a:fillRef idx="0">
+            <a:scrgbClr r="0" g="0" b="0"/>
+          </a:fillRef>
+          <a:effectRef idx="0">
+            <a:scrgbClr r="0" g="0" b="0"/>
+          </a:effectRef>
+          <a:fontRef idx="minor">
+            <a:schemeClr val="accent1"/>
+          </a:fontRef>
+        </p:style>
+        <p:txBody>
+          <a:bodyPr rtlCol="0" anchor="ctr"/>
+          <a:lstStyle/>
+          <a:p>
+            <a:r>
+              <a:rPr lang="en-US" dirty="0">
+                <a:solidFill>
+                  <a:schemeClr val="tx1"/>
+                </a:solidFill>
+                <a:effectLst>
+                  <a:glow rad="38100">
+                    <a:schemeClr val="bg1">
+                      <a:lumMod val="50000"/>
+                      <a:lumOff val="50000"/>
+                      <a:alpha val="20000"/>
+                    </a:schemeClr>
+                  </a:glow>
+                </a:effectLst>
+                <a:latin typeface="Roboto Mono" panose="020B0604020202020204" charset="0"/>
+                <a:ea typeface="Roboto Mono" panose="020B0604020202020204" charset="0"/>
+              </a:rPr>
+              <a:t>Collecting information about repository and its contributors.</a:t>
+            </a:r>
+            <a:br>
+              <a:rPr lang="en-US" dirty="0">
+                <a:solidFill>
+                  <a:schemeClr val="tx1"/>
+                </a:solidFill>
+                <a:effectLst>
+                  <a:glow rad="38100">
+                    <a:schemeClr val="bg1">
+                      <a:lumMod val="50000"/>
+                      <a:lumOff val="50000"/>
+                      <a:alpha val="20000"/>
+                    </a:schemeClr>
+                  </a:glow>
+                </a:effectLst>
+                <a:latin typeface="Roboto Mono" panose="020B0604020202020204" charset="0"/>
+                <a:ea typeface="Roboto Mono" panose="020B0604020202020204" charset="0"/>
+              </a:rPr>
+            </a:br>
+            <a:endParaRPr lang="en-US" dirty="0">
+              <a:solidFill>
+                <a:schemeClr val="tx1"/>
+              </a:solidFill>
+              <a:effectLst>
+                <a:glow rad="38100">
+                  <a:schemeClr val="bg1">
+                    <a:lumMod val="50000"/>
+                    <a:lumOff val="50000"/>
+                    <a:alpha val="20000"/>
+                  </a:schemeClr>
+                </a:glow>
+              </a:effectLst>
+              <a:latin typeface="Roboto Mono" panose="020B0604020202020204" charset="0"/>
+              <a:ea typeface="Roboto Mono" panose="020B0604020202020204" charset="0"/>
+            </a:endParaRPr>
+          </a:p>
+          <a:p>
+            <a:r>
+              <a:rPr lang="en-US" dirty="0">
+                <a:solidFill>
+                  <a:schemeClr val="tx1"/>
+                </a:solidFill>
+                <a:effectLst>
+                  <a:glow rad="38100">
+                    <a:schemeClr val="bg1">
+                      <a:lumMod val="50000"/>
+                      <a:lumOff val="50000"/>
+                      <a:alpha val="20000"/>
+                    </a:schemeClr>
+                  </a:glow>
+                </a:effectLst>
+                <a:latin typeface="Roboto Mono" panose="020B0604020202020204" charset="0"/>
+                <a:ea typeface="Roboto Mono" panose="020B0604020202020204" charset="0"/>
+              </a:rPr>
+              <a:t>Processing the information to categorize repository into defined categories.</a:t>
+            </a:r>
+            <a:endParaRPr lang="en-IN" dirty="0">
+              <a:solidFill>
+                <a:schemeClr val="tx1"/>
+              </a:solidFill>
+            </a:endParaRPr>
+          </a:p>
+        </p:txBody>
+      </p:sp>
+      <p:sp>
+        <p:nvSpPr>
+          <p:cNvPr id="8" name="Rounded Rectangle 7"/>
+          <p:cNvSpPr/>
+          <p:nvPr/>
+        </p:nvSpPr>
+        <p:spPr>
+          <a:xfrm>
+            <a:off x="5415516" y="2275946"/>
+            <a:ext cx="2771553" cy="2640839"/>
+          </a:xfrm>
+          <a:prstGeom prst="roundRect">
+            <a:avLst/>
+          </a:prstGeom>
+          <a:noFill/>
+          <a:ln w="9525" cap="flat" cmpd="sng" algn="ctr">
+            <a:solidFill>
+              <a:schemeClr val="accent1"/>
+            </a:solidFill>
+            <a:prstDash val="solid"/>
+            <a:round/>
+            <a:headEnd type="none" w="med" len="med"/>
+            <a:tailEnd type="none" w="med" len="med"/>
+          </a:ln>
+        </p:spPr>
+        <p:style>
+          <a:lnRef idx="0">
+            <a:scrgbClr r="0" g="0" b="0"/>
+          </a:lnRef>
+          <a:fillRef idx="0">
+            <a:scrgbClr r="0" g="0" b="0"/>
+          </a:fillRef>
+          <a:effectRef idx="0">
+            <a:scrgbClr r="0" g="0" b="0"/>
+          </a:effectRef>
+          <a:fontRef idx="minor">
+            <a:schemeClr val="accent1"/>
+          </a:fontRef>
+        </p:style>
+        <p:txBody>
+          <a:bodyPr rtlCol="0" anchor="ctr"/>
+          <a:lstStyle/>
+          <a:p>
+            <a:r>
+              <a:rPr lang="en-IN" dirty="0" smtClean="0">
+                <a:solidFill>
+                  <a:schemeClr val="tx1"/>
+                </a:solidFill>
+                <a:latin typeface="Roboto Mono" panose="020B0604020202020204" charset="0"/>
+                <a:ea typeface="Roboto Mono" panose="020B0604020202020204" charset="0"/>
+              </a:rPr>
+              <a:t>Downloading files in a folder </a:t>
+            </a:r>
+            <a:r>
+              <a:rPr lang="en-IN" dirty="0" err="1" smtClean="0">
+                <a:solidFill>
+                  <a:schemeClr val="tx1"/>
+                </a:solidFill>
+                <a:latin typeface="Roboto Mono" panose="020B0604020202020204" charset="0"/>
+                <a:ea typeface="Roboto Mono" panose="020B0604020202020204" charset="0"/>
+              </a:rPr>
+              <a:t>download_repo</a:t>
+            </a:r>
+            <a:endParaRPr lang="en-IN" dirty="0" smtClean="0">
+              <a:solidFill>
+                <a:schemeClr val="tx1"/>
+              </a:solidFill>
+              <a:latin typeface="Roboto Mono" panose="020B0604020202020204" charset="0"/>
+              <a:ea typeface="Roboto Mono" panose="020B0604020202020204" charset="0"/>
+            </a:endParaRPr>
+          </a:p>
+          <a:p>
+            <a:endParaRPr lang="en-IN" dirty="0" smtClean="0">
+              <a:solidFill>
+                <a:schemeClr val="tx1"/>
+              </a:solidFill>
+              <a:latin typeface="Roboto Mono" panose="020B0604020202020204" charset="0"/>
+              <a:ea typeface="Roboto Mono" panose="020B0604020202020204" charset="0"/>
+            </a:endParaRPr>
+          </a:p>
+          <a:p>
+            <a:r>
+              <a:rPr lang="en-IN" dirty="0" smtClean="0">
+                <a:solidFill>
+                  <a:schemeClr val="tx1"/>
+                </a:solidFill>
+                <a:latin typeface="Roboto Mono" panose="020B0604020202020204" charset="0"/>
+                <a:ea typeface="Roboto Mono" panose="020B0604020202020204" charset="0"/>
+              </a:rPr>
+              <a:t>Choosing tools to perform the scans </a:t>
+            </a:r>
+          </a:p>
+          <a:p>
+            <a:endParaRPr lang="en-IN" dirty="0">
+              <a:solidFill>
+                <a:schemeClr val="tx1"/>
+              </a:solidFill>
+              <a:latin typeface="Roboto Mono" panose="020B0604020202020204" charset="0"/>
+              <a:ea typeface="Roboto Mono" panose="020B0604020202020204" charset="0"/>
+            </a:endParaRPr>
+          </a:p>
+          <a:p>
+            <a:r>
+              <a:rPr lang="en-IN" dirty="0" smtClean="0">
+                <a:solidFill>
+                  <a:schemeClr val="tx1"/>
+                </a:solidFill>
+                <a:latin typeface="Roboto Mono" panose="020B0604020202020204" charset="0"/>
+                <a:ea typeface="Roboto Mono" panose="020B0604020202020204" charset="0"/>
+              </a:rPr>
+              <a:t>Performing the scans and showing possible threats</a:t>
+            </a:r>
+          </a:p>
+        </p:txBody>
+      </p:sp>
+      <p:cxnSp>
+        <p:nvCxnSpPr>
+          <p:cNvPr id="10" name="Elbow Connector 9"/>
+          <p:cNvCxnSpPr>
+            <a:stCxn id="4" idx="1"/>
+            <a:endCxn id="5" idx="0"/>
+          </p:cNvCxnSpPr>
+          <p:nvPr/>
+        </p:nvCxnSpPr>
+        <p:spPr>
+          <a:xfrm rot="10800000" flipV="1">
+            <a:off x="2342708" y="1482049"/>
+            <a:ext cx="1385777" cy="198474"/>
+          </a:xfrm>
+          <a:prstGeom prst="bentConnector2">
+            <a:avLst/>
+          </a:prstGeom>
+          <a:ln>
+            <a:tailEnd type="triangle"/>
+          </a:ln>
+        </p:spPr>
+        <p:style>
+          <a:lnRef idx="1">
+            <a:schemeClr val="accent1"/>
+          </a:lnRef>
+          <a:fillRef idx="0">
+            <a:schemeClr val="accent1"/>
+          </a:fillRef>
+          <a:effectRef idx="0">
+            <a:schemeClr val="accent1"/>
+          </a:effectRef>
+          <a:fontRef idx="minor">
+            <a:schemeClr val="tx1"/>
+          </a:fontRef>
+        </p:style>
+      </p:cxnSp>
+      <p:cxnSp>
+        <p:nvCxnSpPr>
+          <p:cNvPr id="12" name="Elbow Connector 11"/>
+          <p:cNvCxnSpPr>
+            <a:stCxn id="4" idx="3"/>
+            <a:endCxn id="6" idx="0"/>
+          </p:cNvCxnSpPr>
+          <p:nvPr/>
+        </p:nvCxnSpPr>
+        <p:spPr>
+          <a:xfrm>
+            <a:off x="5415516" y="1482049"/>
+            <a:ext cx="1385776" cy="198474"/>
+          </a:xfrm>
+          <a:prstGeom prst="bentConnector2">
+            <a:avLst/>
+          </a:prstGeom>
+          <a:ln>
+            <a:tailEnd type="triangle"/>
+          </a:ln>
+        </p:spPr>
+        <p:style>
+          <a:lnRef idx="1">
+            <a:schemeClr val="accent1"/>
+          </a:lnRef>
+          <a:fillRef idx="0">
+            <a:schemeClr val="accent1"/>
+          </a:fillRef>
+          <a:effectRef idx="0">
+            <a:schemeClr val="accent1"/>
+          </a:effectRef>
+          <a:fontRef idx="minor">
+            <a:schemeClr val="tx1"/>
+          </a:fontRef>
+        </p:style>
+      </p:cxnSp>
+    </p:spTree>
+    <p:extLst>
+      <p:ext uri="{BB962C8B-B14F-4D97-AF65-F5344CB8AC3E}">
+        <p14:creationId xmlns:p14="http://schemas.microsoft.com/office/powerpoint/2010/main" val="3601064211"/>
+      </p:ext>
+    </p:extLst>
+  </p:cSld>
+  <p:clrMapOvr>
+    <a:masterClrMapping/>
+  </p:clrMapOvr>
+  <p:timing>
+    <p:tnLst>
+      <p:par>
+        <p:cTn id="1" dur="indefinite" restart="never" nodeType="tmRoot"/>
+      </p:par>
+    </p:tnLst>
+  </p:timing>
+</p:sld>
+</file>
+
+<file path=ppt/slides/slide7.xml><?xml version="1.0" encoding="utf-8"?>
 <p:sld xmlns:a="http://schemas.openxmlformats.org/drawingml/2006/main" xmlns:r="http://schemas.openxmlformats.org/officeDocument/2006/relationships" xmlns:p="http://schemas.openxmlformats.org/presentationml/2006/main">
   <p:cSld>
     <p:spTree>
@@ -11855,6 +13181,22 @@
             <a:pPr marL="139700" indent="0">
               <a:buNone/>
             </a:pPr>
+            <a:r>
+              <a:rPr lang="en-US" sz="1600" dirty="0">
+                <a:effectLst>
+                  <a:glow rad="38100">
+                    <a:schemeClr val="bg1">
+                      <a:lumMod val="50000"/>
+                      <a:lumOff val="50000"/>
+                      <a:alpha val="20000"/>
+                    </a:schemeClr>
+                  </a:glow>
+                </a:effectLst>
+                <a:latin typeface="Roboto Mono" panose="020B0604020202020204" charset="0"/>
+                <a:ea typeface="Roboto Mono" panose="020B0604020202020204" charset="0"/>
+              </a:rPr>
+              <a:t/>
+            </a:r>
             <a:br>
               <a:rPr lang="en-US" sz="1600" dirty="0">
                 <a:effectLst>
@@ -11907,8 +13249,8 @@
           </a:p>
         </p:txBody>
       </p:sp>
-      <mc:AlternateContent xmlns:mc="http://schemas.openxmlformats.org/markup-compatibility/2006">
-        <mc:Choice xmlns:a14="http://schemas.microsoft.com/office/drawing/2010/main" Requires="a14">
+      <mc:AlternateContent xmlns:mc="http://schemas.openxmlformats.org/markup-compatibility/2006" xmlns:a14="http://schemas.microsoft.com/office/drawing/2010/main">
+        <mc:Choice Requires="a14">
           <p:sp>
             <p:nvSpPr>
               <p:cNvPr id="4" name="Text Placeholder 3">
@@ -12717,7 +14059,7 @@
             </p:txBody>
           </p:sp>
         </mc:Choice>
-        <mc:Fallback>
+        <mc:Fallback xmlns="">
           <p:sp>
             <p:nvSpPr>
               <p:cNvPr id="4" name="Text Placeholder 3">
@@ -12771,10 +14113,17 @@
   <p:clrMapOvr>
     <a:masterClrMapping/>
   </p:clrMapOvr>
+  <p:timing>
+    <p:tnLst>
+      <p:par>
+        <p:cTn id="1" dur="indefinite" restart="never" nodeType="tmRoot"/>
+      </p:par>
+    </p:tnLst>
+  </p:timing>
 </p:sld>
 </file>
 
-<file path=ppt/slides/slide7.xml><?xml version="1.0" encoding="utf-8"?>
+<file path=ppt/slides/slide8.xml><?xml version="1.0" encoding="utf-8"?>
 <p:sld xmlns:a="http://schemas.openxmlformats.org/drawingml/2006/main" xmlns:r="http://schemas.openxmlformats.org/officeDocument/2006/relationships" xmlns:p="http://schemas.openxmlformats.org/presentationml/2006/main">
   <p:cSld>
     <p:spTree>
@@ -13101,7 +14450,7 @@
 </p:sld>
 </file>
 
-<file path=ppt/slides/slide8.xml><?xml version="1.0" encoding="utf-8"?>
+<file path=ppt/slides/slide9.xml><?xml version="1.0" encoding="utf-8"?>
 <p:sld xmlns:a="http://schemas.openxmlformats.org/drawingml/2006/main" xmlns:r="http://schemas.openxmlformats.org/officeDocument/2006/relationships" xmlns:p="http://schemas.openxmlformats.org/presentationml/2006/main">
   <p:cSld>
     <p:spTree>
@@ -13320,267 +14669,6 @@
     <p:extLst>
       <p:ext uri="{BB962C8B-B14F-4D97-AF65-F5344CB8AC3E}">
         <p14:creationId xmlns:p14="http://schemas.microsoft.com/office/powerpoint/2010/main" val="753263389"/>
-      </p:ext>
-    </p:extLst>
-  </p:cSld>
-  <p:clrMapOvr>
-    <a:masterClrMapping/>
-  </p:clrMapOvr>
-</p:sld>
-</file>
-
-<file path=ppt/slides/slide9.xml><?xml version="1.0" encoding="utf-8"?>
-<p:sld xmlns:a="http://schemas.openxmlformats.org/drawingml/2006/main" xmlns:r="http://schemas.openxmlformats.org/officeDocument/2006/relationships" xmlns:p="http://schemas.openxmlformats.org/presentationml/2006/main">
-  <p:cSld>
-    <p:spTree>
-      <p:nvGrpSpPr>
-        <p:cNvPr id="1" name=""/>
-        <p:cNvGrpSpPr/>
-        <p:nvPr/>
-      </p:nvGrpSpPr>
-      <p:grpSpPr>
-        <a:xfrm>
-          <a:off x="0" y="0"/>
-          <a:ext cx="0" cy="0"/>
-          <a:chOff x="0" y="0"/>
-          <a:chExt cx="0" cy="0"/>
-        </a:xfrm>
-      </p:grpSpPr>
-      <p:sp>
-        <p:nvSpPr>
-          <p:cNvPr id="2" name="Title 1">
-            <a:extLst>
-              <a:ext uri="{FF2B5EF4-FFF2-40B4-BE49-F238E27FC236}">
-                <a16:creationId xmlns:a16="http://schemas.microsoft.com/office/drawing/2014/main" id="{00C737D3-75CB-0061-35BD-6AD9FE43E0EB}"/>
-              </a:ext>
-            </a:extLst>
-          </p:cNvPr>
-          <p:cNvSpPr>
-            <a:spLocks noGrp="1"/>
-          </p:cNvSpPr>
-          <p:nvPr>
-            <p:ph type="title"/>
-          </p:nvPr>
-        </p:nvSpPr>
-        <p:spPr/>
-        <p:txBody>
-          <a:bodyPr>
-            <a:normAutofit/>
-          </a:bodyPr>
-          <a:lstStyle/>
-          <a:p>
-            <a:r>
-              <a:rPr lang="en-US" b="1" dirty="0">
-                <a:effectLst>
-                  <a:glow rad="38100">
-                    <a:schemeClr val="bg1">
-                      <a:lumMod val="65000"/>
-                      <a:lumOff val="35000"/>
-                      <a:alpha val="40000"/>
-                    </a:schemeClr>
-                  </a:glow>
-                </a:effectLst>
-                <a:latin typeface="Roboto Mono" panose="020B0604020202020204" charset="0"/>
-                <a:ea typeface="Roboto Mono" panose="020B0604020202020204" charset="0"/>
-              </a:rPr>
-              <a:t>Downloading repository</a:t>
-            </a:r>
-            <a:endParaRPr lang="en-IN" b="1" dirty="0">
-              <a:effectLst>
-                <a:glow rad="38100">
-                  <a:schemeClr val="bg1">
-                    <a:lumMod val="65000"/>
-                    <a:lumOff val="35000"/>
-                    <a:alpha val="40000"/>
-                  </a:schemeClr>
-                </a:glow>
-              </a:effectLst>
-              <a:latin typeface="Roboto Mono" panose="020B0604020202020204" charset="0"/>
-              <a:ea typeface="Roboto Mono" panose="020B0604020202020204" charset="0"/>
-            </a:endParaRPr>
-          </a:p>
-        </p:txBody>
-      </p:sp>
-      <p:sp>
-        <p:nvSpPr>
-          <p:cNvPr id="3" name="Text Placeholder 2">
-            <a:extLst>
-              <a:ext uri="{FF2B5EF4-FFF2-40B4-BE49-F238E27FC236}">
-                <a16:creationId xmlns:a16="http://schemas.microsoft.com/office/drawing/2014/main" id="{CC995AF7-360F-E616-98A4-63DB214ABC64}"/>
-              </a:ext>
-            </a:extLst>
-          </p:cNvPr>
-          <p:cNvSpPr>
-            <a:spLocks noGrp="1"/>
-          </p:cNvSpPr>
-          <p:nvPr>
-            <p:ph type="body" idx="1"/>
-          </p:nvPr>
-        </p:nvSpPr>
-        <p:spPr/>
-        <p:txBody>
-          <a:bodyPr>
-            <a:normAutofit/>
-          </a:bodyPr>
-          <a:lstStyle/>
-          <a:p>
-            <a:r>
-              <a:rPr lang="en-US" sz="1700" dirty="0">
-                <a:solidFill>
-                  <a:schemeClr val="tx1"/>
-                </a:solidFill>
-                <a:effectLst>
-                  <a:glow rad="38100">
-                    <a:schemeClr val="bg1">
-                      <a:lumMod val="50000"/>
-                      <a:lumOff val="50000"/>
-                      <a:alpha val="20000"/>
-                    </a:schemeClr>
-                  </a:glow>
-                </a:effectLst>
-                <a:latin typeface="Roboto Mono" panose="020B0604020202020204" charset="0"/>
-                <a:ea typeface="Roboto Mono" panose="020B0604020202020204" charset="0"/>
-              </a:rPr>
-              <a:t>In repo_download folder, it is made sure that files are deleted before downloading new repository.</a:t>
-            </a:r>
-            <a:br>
-              <a:rPr lang="en-US" sz="1700" dirty="0">
-                <a:solidFill>
-                  <a:schemeClr val="tx1"/>
-                </a:solidFill>
-                <a:effectLst>
-                  <a:glow rad="38100">
-                    <a:schemeClr val="bg1">
-                      <a:lumMod val="50000"/>
-                      <a:lumOff val="50000"/>
-                      <a:alpha val="20000"/>
-                    </a:schemeClr>
-                  </a:glow>
-                </a:effectLst>
-                <a:latin typeface="Roboto Mono" panose="020B0604020202020204" charset="0"/>
-                <a:ea typeface="Roboto Mono" panose="020B0604020202020204" charset="0"/>
-              </a:rPr>
-            </a:br>
-            <a:endParaRPr lang="en-US" sz="1700" dirty="0">
-              <a:solidFill>
-                <a:schemeClr val="tx1"/>
-              </a:solidFill>
-              <a:effectLst>
-                <a:glow rad="38100">
-                  <a:schemeClr val="bg1">
-                    <a:lumMod val="50000"/>
-                    <a:lumOff val="50000"/>
-                    <a:alpha val="20000"/>
-                  </a:schemeClr>
-                </a:glow>
-              </a:effectLst>
-              <a:latin typeface="Roboto Mono" panose="020B0604020202020204" charset="0"/>
-              <a:ea typeface="Roboto Mono" panose="020B0604020202020204" charset="0"/>
-            </a:endParaRPr>
-          </a:p>
-          <a:p>
-            <a:r>
-              <a:rPr lang="en-US" sz="1700" dirty="0">
-                <a:solidFill>
-                  <a:schemeClr val="tx1"/>
-                </a:solidFill>
-                <a:effectLst>
-                  <a:glow rad="38100">
-                    <a:schemeClr val="bg1">
-                      <a:lumMod val="50000"/>
-                      <a:lumOff val="50000"/>
-                      <a:alpha val="20000"/>
-                    </a:schemeClr>
-                  </a:glow>
-                </a:effectLst>
-                <a:latin typeface="Roboto Mono" panose="020B0604020202020204" charset="0"/>
-                <a:ea typeface="Roboto Mono" panose="020B0604020202020204" charset="0"/>
-              </a:rPr>
-              <a:t>Using git clone function, repository files are cloned into repo_download.</a:t>
-            </a:r>
-            <a:br>
-              <a:rPr lang="en-US" sz="1700" dirty="0">
-                <a:solidFill>
-                  <a:schemeClr val="tx1"/>
-                </a:solidFill>
-                <a:effectLst>
-                  <a:glow rad="38100">
-                    <a:schemeClr val="bg1">
-                      <a:lumMod val="50000"/>
-                      <a:lumOff val="50000"/>
-                      <a:alpha val="20000"/>
-                    </a:schemeClr>
-                  </a:glow>
-                </a:effectLst>
-                <a:latin typeface="Roboto Mono" panose="020B0604020202020204" charset="0"/>
-                <a:ea typeface="Roboto Mono" panose="020B0604020202020204" charset="0"/>
-              </a:rPr>
-            </a:br>
-            <a:endParaRPr lang="en-US" sz="1700" dirty="0">
-              <a:solidFill>
-                <a:schemeClr val="tx1"/>
-              </a:solidFill>
-              <a:effectLst>
-                <a:glow rad="38100">
-                  <a:schemeClr val="bg1">
-                    <a:lumMod val="50000"/>
-                    <a:lumOff val="50000"/>
-                    <a:alpha val="20000"/>
-                  </a:schemeClr>
-                </a:glow>
-              </a:effectLst>
-              <a:latin typeface="Roboto Mono" panose="020B0604020202020204" charset="0"/>
-              <a:ea typeface="Roboto Mono" panose="020B0604020202020204" charset="0"/>
-            </a:endParaRPr>
-          </a:p>
-          <a:p>
-            <a:r>
-              <a:rPr lang="en-US" sz="1700" dirty="0">
-                <a:solidFill>
-                  <a:schemeClr val="tx1"/>
-                </a:solidFill>
-                <a:effectLst>
-                  <a:glow rad="38100">
-                    <a:schemeClr val="bg1">
-                      <a:lumMod val="50000"/>
-                      <a:lumOff val="50000"/>
-                      <a:alpha val="20000"/>
-                    </a:schemeClr>
-                  </a:glow>
-                </a:effectLst>
-                <a:latin typeface="Roboto Mono" panose="020B0604020202020204" charset="0"/>
-                <a:ea typeface="Roboto Mono" panose="020B0604020202020204" charset="0"/>
-              </a:rPr>
-              <a:t>In case of pypi and npm, only command line functions are available to clone repositories. So we suggest in this case please make sure that the repositories and cloned manually into repo_download folder.</a:t>
-            </a:r>
-          </a:p>
-          <a:p>
-            <a:pPr marL="114300" indent="0">
-              <a:buNone/>
-            </a:pPr>
-            <a:endParaRPr lang="en-IN" sz="1700" dirty="0">
-              <a:solidFill>
-                <a:schemeClr val="tx1"/>
-              </a:solidFill>
-              <a:effectLst>
-                <a:glow rad="38100">
-                  <a:schemeClr val="bg1">
-                    <a:lumMod val="50000"/>
-                    <a:lumOff val="50000"/>
-                    <a:alpha val="20000"/>
-                  </a:schemeClr>
-                </a:glow>
-              </a:effectLst>
-              <a:latin typeface="Roboto Mono" panose="020B0604020202020204" charset="0"/>
-              <a:ea typeface="Roboto Mono" panose="020B0604020202020204" charset="0"/>
-            </a:endParaRPr>
-          </a:p>
-        </p:txBody>
-      </p:sp>
-    </p:spTree>
-    <p:extLst>
-      <p:ext uri="{BB962C8B-B14F-4D97-AF65-F5344CB8AC3E}">
-        <p14:creationId xmlns:p14="http://schemas.microsoft.com/office/powerpoint/2010/main" val="2203371096"/>
       </p:ext>
     </p:extLst>
   </p:cSld>
